--- a/protocolbinding-05122017.pptx
+++ b/protocolbinding-05122017.pptx
@@ -2985,6 +2985,13 @@
   <p:clrMapOvr>
     <a:masterClrMapping/>
   </p:clrMapOvr>
+  <p:timing>
+    <p:tnLst>
+      <p:par>
+        <p:cTn id="1" dur="indefinite" restart="never" nodeType="tmRoot"/>
+      </p:par>
+    </p:tnLst>
+  </p:timing>
 </p:sld>
 </file>
 
@@ -3203,6 +3210,13 @@
   <p:clrMapOvr>
     <a:masterClrMapping/>
   </p:clrMapOvr>
+  <p:timing>
+    <p:tnLst>
+      <p:par>
+        <p:cTn id="1" dur="indefinite" restart="never" nodeType="tmRoot"/>
+      </p:par>
+    </p:tnLst>
+  </p:timing>
 </p:sld>
 </file>
 
@@ -3337,7 +3351,7 @@
           </a:p>
           <a:p>
             <a:r>
-              <a:rPr lang="en-US" dirty="0"/>
+              <a:rPr lang="en-US" dirty="0" smtClean="0"/>
               <a:t>I</a:t>
             </a:r>
             <a:r>
@@ -3408,6 +3422,13 @@
   <p:clrMapOvr>
     <a:masterClrMapping/>
   </p:clrMapOvr>
+  <p:timing>
+    <p:tnLst>
+      <p:par>
+        <p:cTn id="1" dur="indefinite" restart="never" nodeType="tmRoot"/>
+      </p:par>
+    </p:tnLst>
+  </p:timing>
 </p:sld>
 </file>
 
@@ -3504,6 +3525,13 @@
   <p:clrMapOvr>
     <a:masterClrMapping/>
   </p:clrMapOvr>
+  <p:timing>
+    <p:tnLst>
+      <p:par>
+        <p:cTn id="1" dur="indefinite" restart="never" nodeType="tmRoot"/>
+      </p:par>
+    </p:tnLst>
+  </p:timing>
 </p:sld>
 </file>
 

--- a/protocolbinding-05122017.pptx
+++ b/protocolbinding-05122017.pptx
@@ -2965,7 +2965,7 @@
           <a:p>
             <a:r>
               <a:rPr lang="en-US" dirty="0" smtClean="0"/>
-              <a:t>December 5, </a:t>
+              <a:t>December 12, </a:t>
             </a:r>
             <a:r>
               <a:rPr lang="en-US" dirty="0" smtClean="0"/>
